--- a/資料/github.pptx
+++ b/資料/github.pptx
@@ -2,12 +2,12 @@
 <file path=ppt/presentation.xml><?xml version="1.0" encoding="utf-8"?>
 <p:presentation xmlns:a="http://schemas.openxmlformats.org/drawingml/2006/main" xmlns:r="http://schemas.openxmlformats.org/officeDocument/2006/relationships" xmlns:p="http://schemas.openxmlformats.org/presentationml/2006/main" saveSubsetFonts="1" autoCompressPictures="0">
   <p:sldMasterIdLst>
-    <p:sldMasterId id="2147483684" r:id="rId1"/>
+    <p:sldMasterId id="2147483696" r:id="rId1"/>
   </p:sldMasterIdLst>
   <p:sldIdLst>
     <p:sldId id="256" r:id="rId2"/>
   </p:sldIdLst>
-  <p:sldSz cx="9144000" cy="6858000" type="screen4x3"/>
+  <p:sldSz cx="12192000" cy="6858000"/>
   <p:notesSz cx="6858000" cy="9144000"/>
   <p:defaultTextStyle>
     <a:defPPr>
@@ -141,8 +141,8 @@
         </p:nvSpPr>
         <p:spPr>
           <a:xfrm>
-            <a:off x="685800" y="1122363"/>
-            <a:ext cx="7772400" cy="2387600"/>
+            <a:off x="1524000" y="1122363"/>
+            <a:ext cx="9144000" cy="2387600"/>
           </a:xfrm>
         </p:spPr>
         <p:txBody>
@@ -173,8 +173,8 @@
         </p:nvSpPr>
         <p:spPr>
           <a:xfrm>
-            <a:off x="1143000" y="3602038"/>
-            <a:ext cx="6858000" cy="1655762"/>
+            <a:off x="1524000" y="3602038"/>
+            <a:ext cx="9144000" cy="1655762"/>
           </a:xfrm>
         </p:spPr>
         <p:txBody>
@@ -243,7 +243,7 @@
           <a:p>
             <a:fld id="{3E63D934-F3FF-DB48-8A56-72F459B184DA}" type="datetimeFigureOut">
               <a:rPr kumimoji="1" lang="ja-JP" altLang="en-US" smtClean="0"/>
-              <a:t>2019/2/26</a:t>
+              <a:t>2019/3/6</a:t>
             </a:fld>
             <a:endParaRPr kumimoji="1" lang="ja-JP" altLang="en-US"/>
           </a:p>
@@ -294,7 +294,7 @@
     </p:spTree>
     <p:extLst>
       <p:ext uri="{BB962C8B-B14F-4D97-AF65-F5344CB8AC3E}">
-        <p14:creationId xmlns:p14="http://schemas.microsoft.com/office/powerpoint/2010/main" val="3400526030"/>
+        <p14:creationId xmlns:p14="http://schemas.microsoft.com/office/powerpoint/2010/main" val="2632944830"/>
       </p:ext>
     </p:extLst>
   </p:cSld>
@@ -421,7 +421,7 @@
           <a:p>
             <a:fld id="{3E63D934-F3FF-DB48-8A56-72F459B184DA}" type="datetimeFigureOut">
               <a:rPr kumimoji="1" lang="ja-JP" altLang="en-US" smtClean="0"/>
-              <a:t>2019/2/26</a:t>
+              <a:t>2019/3/6</a:t>
             </a:fld>
             <a:endParaRPr kumimoji="1" lang="ja-JP" altLang="en-US"/>
           </a:p>
@@ -472,7 +472,7 @@
     </p:spTree>
     <p:extLst>
       <p:ext uri="{BB962C8B-B14F-4D97-AF65-F5344CB8AC3E}">
-        <p14:creationId xmlns:p14="http://schemas.microsoft.com/office/powerpoint/2010/main" val="179353979"/>
+        <p14:creationId xmlns:p14="http://schemas.microsoft.com/office/powerpoint/2010/main" val="304358155"/>
       </p:ext>
     </p:extLst>
   </p:cSld>
@@ -511,8 +511,8 @@
         </p:nvSpPr>
         <p:spPr>
           <a:xfrm>
-            <a:off x="6543675" y="365125"/>
-            <a:ext cx="1971675" cy="5811838"/>
+            <a:off x="8724900" y="365125"/>
+            <a:ext cx="2628900" cy="5811838"/>
           </a:xfrm>
         </p:spPr>
         <p:txBody>
@@ -539,8 +539,8 @@
         </p:nvSpPr>
         <p:spPr>
           <a:xfrm>
-            <a:off x="628650" y="365125"/>
-            <a:ext cx="5800725" cy="5811838"/>
+            <a:off x="838200" y="365125"/>
+            <a:ext cx="7734300" cy="5811838"/>
           </a:xfrm>
         </p:spPr>
         <p:txBody>
@@ -609,7 +609,7 @@
           <a:p>
             <a:fld id="{3E63D934-F3FF-DB48-8A56-72F459B184DA}" type="datetimeFigureOut">
               <a:rPr kumimoji="1" lang="ja-JP" altLang="en-US" smtClean="0"/>
-              <a:t>2019/2/26</a:t>
+              <a:t>2019/3/6</a:t>
             </a:fld>
             <a:endParaRPr kumimoji="1" lang="ja-JP" altLang="en-US"/>
           </a:p>
@@ -660,7 +660,7 @@
     </p:spTree>
     <p:extLst>
       <p:ext uri="{BB962C8B-B14F-4D97-AF65-F5344CB8AC3E}">
-        <p14:creationId xmlns:p14="http://schemas.microsoft.com/office/powerpoint/2010/main" val="66039334"/>
+        <p14:creationId xmlns:p14="http://schemas.microsoft.com/office/powerpoint/2010/main" val="3284810169"/>
       </p:ext>
     </p:extLst>
   </p:cSld>
@@ -787,7 +787,7 @@
           <a:p>
             <a:fld id="{3E63D934-F3FF-DB48-8A56-72F459B184DA}" type="datetimeFigureOut">
               <a:rPr kumimoji="1" lang="ja-JP" altLang="en-US" smtClean="0"/>
-              <a:t>2019/2/26</a:t>
+              <a:t>2019/3/6</a:t>
             </a:fld>
             <a:endParaRPr kumimoji="1" lang="ja-JP" altLang="en-US"/>
           </a:p>
@@ -838,7 +838,7 @@
     </p:spTree>
     <p:extLst>
       <p:ext uri="{BB962C8B-B14F-4D97-AF65-F5344CB8AC3E}">
-        <p14:creationId xmlns:p14="http://schemas.microsoft.com/office/powerpoint/2010/main" val="1616921499"/>
+        <p14:creationId xmlns:p14="http://schemas.microsoft.com/office/powerpoint/2010/main" val="3475821482"/>
       </p:ext>
     </p:extLst>
   </p:cSld>
@@ -877,8 +877,8 @@
         </p:nvSpPr>
         <p:spPr>
           <a:xfrm>
-            <a:off x="623888" y="1709739"/>
-            <a:ext cx="7886700" cy="2852737"/>
+            <a:off x="831850" y="1709738"/>
+            <a:ext cx="10515600" cy="2852737"/>
           </a:xfrm>
         </p:spPr>
         <p:txBody>
@@ -909,8 +909,8 @@
         </p:nvSpPr>
         <p:spPr>
           <a:xfrm>
-            <a:off x="623888" y="4589464"/>
-            <a:ext cx="7886700" cy="1500187"/>
+            <a:off x="831850" y="4589463"/>
+            <a:ext cx="10515600" cy="1500187"/>
           </a:xfrm>
         </p:spPr>
         <p:txBody>
@@ -920,7 +920,9 @@
               <a:buNone/>
               <a:defRPr sz="2400">
                 <a:solidFill>
-                  <a:schemeClr val="tx1"/>
+                  <a:schemeClr val="tx1">
+                    <a:tint val="75000"/>
+                  </a:schemeClr>
                 </a:solidFill>
               </a:defRPr>
             </a:lvl1pPr>
@@ -1068,7 +1070,7 @@
           <a:p>
             <a:fld id="{3E63D934-F3FF-DB48-8A56-72F459B184DA}" type="datetimeFigureOut">
               <a:rPr kumimoji="1" lang="ja-JP" altLang="en-US" smtClean="0"/>
-              <a:t>2019/2/26</a:t>
+              <a:t>2019/3/6</a:t>
             </a:fld>
             <a:endParaRPr kumimoji="1" lang="ja-JP" altLang="en-US"/>
           </a:p>
@@ -1119,7 +1121,7 @@
     </p:spTree>
     <p:extLst>
       <p:ext uri="{BB962C8B-B14F-4D97-AF65-F5344CB8AC3E}">
-        <p14:creationId xmlns:p14="http://schemas.microsoft.com/office/powerpoint/2010/main" val="2378789601"/>
+        <p14:creationId xmlns:p14="http://schemas.microsoft.com/office/powerpoint/2010/main" val="3793447144"/>
       </p:ext>
     </p:extLst>
   </p:cSld>
@@ -1181,8 +1183,8 @@
         </p:nvSpPr>
         <p:spPr>
           <a:xfrm>
-            <a:off x="628650" y="1825625"/>
-            <a:ext cx="3886200" cy="4351338"/>
+            <a:off x="838200" y="1825625"/>
+            <a:ext cx="5181600" cy="4351338"/>
           </a:xfrm>
         </p:spPr>
         <p:txBody>
@@ -1246,8 +1248,8 @@
         </p:nvSpPr>
         <p:spPr>
           <a:xfrm>
-            <a:off x="4629150" y="1825625"/>
-            <a:ext cx="3886200" cy="4351338"/>
+            <a:off x="6172200" y="1825625"/>
+            <a:ext cx="5181600" cy="4351338"/>
           </a:xfrm>
         </p:spPr>
         <p:txBody>
@@ -1316,7 +1318,7 @@
           <a:p>
             <a:fld id="{3E63D934-F3FF-DB48-8A56-72F459B184DA}" type="datetimeFigureOut">
               <a:rPr kumimoji="1" lang="ja-JP" altLang="en-US" smtClean="0"/>
-              <a:t>2019/2/26</a:t>
+              <a:t>2019/3/6</a:t>
             </a:fld>
             <a:endParaRPr kumimoji="1" lang="ja-JP" altLang="en-US"/>
           </a:p>
@@ -1367,7 +1369,7 @@
     </p:spTree>
     <p:extLst>
       <p:ext uri="{BB962C8B-B14F-4D97-AF65-F5344CB8AC3E}">
-        <p14:creationId xmlns:p14="http://schemas.microsoft.com/office/powerpoint/2010/main" val="2882269881"/>
+        <p14:creationId xmlns:p14="http://schemas.microsoft.com/office/powerpoint/2010/main" val="22203848"/>
       </p:ext>
     </p:extLst>
   </p:cSld>
@@ -1406,8 +1408,8 @@
         </p:nvSpPr>
         <p:spPr>
           <a:xfrm>
-            <a:off x="629841" y="365126"/>
-            <a:ext cx="7886700" cy="1325563"/>
+            <a:off x="839788" y="365125"/>
+            <a:ext cx="10515600" cy="1325563"/>
           </a:xfrm>
         </p:spPr>
         <p:txBody>
@@ -1434,8 +1436,8 @@
         </p:nvSpPr>
         <p:spPr>
           <a:xfrm>
-            <a:off x="629842" y="1681163"/>
-            <a:ext cx="3868340" cy="823912"/>
+            <a:off x="839788" y="1681163"/>
+            <a:ext cx="5157787" cy="823912"/>
           </a:xfrm>
         </p:spPr>
         <p:txBody>
@@ -1536,8 +1538,8 @@
         </p:nvSpPr>
         <p:spPr>
           <a:xfrm>
-            <a:off x="629842" y="2505075"/>
-            <a:ext cx="3868340" cy="3684588"/>
+            <a:off x="839788" y="2505075"/>
+            <a:ext cx="5157787" cy="3684588"/>
           </a:xfrm>
         </p:spPr>
         <p:txBody>
@@ -1601,8 +1603,8 @@
         </p:nvSpPr>
         <p:spPr>
           <a:xfrm>
-            <a:off x="4629150" y="1681163"/>
-            <a:ext cx="3887391" cy="823912"/>
+            <a:off x="6172200" y="1681163"/>
+            <a:ext cx="5183188" cy="823912"/>
           </a:xfrm>
         </p:spPr>
         <p:txBody>
@@ -1703,8 +1705,8 @@
         </p:nvSpPr>
         <p:spPr>
           <a:xfrm>
-            <a:off x="4629150" y="2505075"/>
-            <a:ext cx="3887391" cy="3684588"/>
+            <a:off x="6172200" y="2505075"/>
+            <a:ext cx="5183188" cy="3684588"/>
           </a:xfrm>
         </p:spPr>
         <p:txBody>
@@ -1773,7 +1775,7 @@
           <a:p>
             <a:fld id="{3E63D934-F3FF-DB48-8A56-72F459B184DA}" type="datetimeFigureOut">
               <a:rPr kumimoji="1" lang="ja-JP" altLang="en-US" smtClean="0"/>
-              <a:t>2019/2/26</a:t>
+              <a:t>2019/3/6</a:t>
             </a:fld>
             <a:endParaRPr kumimoji="1" lang="ja-JP" altLang="en-US"/>
           </a:p>
@@ -1824,7 +1826,7 @@
     </p:spTree>
     <p:extLst>
       <p:ext uri="{BB962C8B-B14F-4D97-AF65-F5344CB8AC3E}">
-        <p14:creationId xmlns:p14="http://schemas.microsoft.com/office/powerpoint/2010/main" val="4098985781"/>
+        <p14:creationId xmlns:p14="http://schemas.microsoft.com/office/powerpoint/2010/main" val="3997293418"/>
       </p:ext>
     </p:extLst>
   </p:cSld>
@@ -1891,7 +1893,7 @@
           <a:p>
             <a:fld id="{3E63D934-F3FF-DB48-8A56-72F459B184DA}" type="datetimeFigureOut">
               <a:rPr kumimoji="1" lang="ja-JP" altLang="en-US" smtClean="0"/>
-              <a:t>2019/2/26</a:t>
+              <a:t>2019/3/6</a:t>
             </a:fld>
             <a:endParaRPr kumimoji="1" lang="ja-JP" altLang="en-US"/>
           </a:p>
@@ -1942,7 +1944,7 @@
     </p:spTree>
     <p:extLst>
       <p:ext uri="{BB962C8B-B14F-4D97-AF65-F5344CB8AC3E}">
-        <p14:creationId xmlns:p14="http://schemas.microsoft.com/office/powerpoint/2010/main" val="1874164084"/>
+        <p14:creationId xmlns:p14="http://schemas.microsoft.com/office/powerpoint/2010/main" val="255725931"/>
       </p:ext>
     </p:extLst>
   </p:cSld>
@@ -1986,7 +1988,7 @@
           <a:p>
             <a:fld id="{3E63D934-F3FF-DB48-8A56-72F459B184DA}" type="datetimeFigureOut">
               <a:rPr kumimoji="1" lang="ja-JP" altLang="en-US" smtClean="0"/>
-              <a:t>2019/2/26</a:t>
+              <a:t>2019/3/6</a:t>
             </a:fld>
             <a:endParaRPr kumimoji="1" lang="ja-JP" altLang="en-US"/>
           </a:p>
@@ -2037,7 +2039,7 @@
     </p:spTree>
     <p:extLst>
       <p:ext uri="{BB962C8B-B14F-4D97-AF65-F5344CB8AC3E}">
-        <p14:creationId xmlns:p14="http://schemas.microsoft.com/office/powerpoint/2010/main" val="1537284505"/>
+        <p14:creationId xmlns:p14="http://schemas.microsoft.com/office/powerpoint/2010/main" val="1150079820"/>
       </p:ext>
     </p:extLst>
   </p:cSld>
@@ -2076,8 +2078,8 @@
         </p:nvSpPr>
         <p:spPr>
           <a:xfrm>
-            <a:off x="629841" y="457200"/>
-            <a:ext cx="2949178" cy="1600200"/>
+            <a:off x="839788" y="457200"/>
+            <a:ext cx="3932237" cy="1600200"/>
           </a:xfrm>
         </p:spPr>
         <p:txBody>
@@ -2108,8 +2110,8 @@
         </p:nvSpPr>
         <p:spPr>
           <a:xfrm>
-            <a:off x="3887391" y="987426"/>
-            <a:ext cx="4629150" cy="4873625"/>
+            <a:off x="5183188" y="987425"/>
+            <a:ext cx="6172200" cy="4873625"/>
           </a:xfrm>
         </p:spPr>
         <p:txBody>
@@ -2201,8 +2203,8 @@
         </p:nvSpPr>
         <p:spPr>
           <a:xfrm>
-            <a:off x="629841" y="2057400"/>
-            <a:ext cx="2949178" cy="3811588"/>
+            <a:off x="839788" y="2057400"/>
+            <a:ext cx="3932237" cy="3811588"/>
           </a:xfrm>
         </p:spPr>
         <p:txBody>
@@ -2308,7 +2310,7 @@
           <a:p>
             <a:fld id="{3E63D934-F3FF-DB48-8A56-72F459B184DA}" type="datetimeFigureOut">
               <a:rPr kumimoji="1" lang="ja-JP" altLang="en-US" smtClean="0"/>
-              <a:t>2019/2/26</a:t>
+              <a:t>2019/3/6</a:t>
             </a:fld>
             <a:endParaRPr kumimoji="1" lang="ja-JP" altLang="en-US"/>
           </a:p>
@@ -2359,7 +2361,7 @@
     </p:spTree>
     <p:extLst>
       <p:ext uri="{BB962C8B-B14F-4D97-AF65-F5344CB8AC3E}">
-        <p14:creationId xmlns:p14="http://schemas.microsoft.com/office/powerpoint/2010/main" val="142355780"/>
+        <p14:creationId xmlns:p14="http://schemas.microsoft.com/office/powerpoint/2010/main" val="975695015"/>
       </p:ext>
     </p:extLst>
   </p:cSld>
@@ -2398,8 +2400,8 @@
         </p:nvSpPr>
         <p:spPr>
           <a:xfrm>
-            <a:off x="629841" y="457200"/>
-            <a:ext cx="2949178" cy="1600200"/>
+            <a:off x="839788" y="457200"/>
+            <a:ext cx="3932237" cy="1600200"/>
           </a:xfrm>
         </p:spPr>
         <p:txBody>
@@ -2430,8 +2432,8 @@
         </p:nvSpPr>
         <p:spPr>
           <a:xfrm>
-            <a:off x="3887391" y="987426"/>
-            <a:ext cx="4629150" cy="4873625"/>
+            <a:off x="5183188" y="987425"/>
+            <a:ext cx="6172200" cy="4873625"/>
           </a:xfrm>
         </p:spPr>
         <p:txBody>
@@ -2495,8 +2497,8 @@
         </p:nvSpPr>
         <p:spPr>
           <a:xfrm>
-            <a:off x="629841" y="2057400"/>
-            <a:ext cx="2949178" cy="3811588"/>
+            <a:off x="839788" y="2057400"/>
+            <a:ext cx="3932237" cy="3811588"/>
           </a:xfrm>
         </p:spPr>
         <p:txBody>
@@ -2602,7 +2604,7 @@
           <a:p>
             <a:fld id="{3E63D934-F3FF-DB48-8A56-72F459B184DA}" type="datetimeFigureOut">
               <a:rPr kumimoji="1" lang="ja-JP" altLang="en-US" smtClean="0"/>
-              <a:t>2019/2/26</a:t>
+              <a:t>2019/3/6</a:t>
             </a:fld>
             <a:endParaRPr kumimoji="1" lang="ja-JP" altLang="en-US"/>
           </a:p>
@@ -2653,7 +2655,7 @@
     </p:spTree>
     <p:extLst>
       <p:ext uri="{BB962C8B-B14F-4D97-AF65-F5344CB8AC3E}">
-        <p14:creationId xmlns:p14="http://schemas.microsoft.com/office/powerpoint/2010/main" val="1818970350"/>
+        <p14:creationId xmlns:p14="http://schemas.microsoft.com/office/powerpoint/2010/main" val="2356080059"/>
       </p:ext>
     </p:extLst>
   </p:cSld>
@@ -2697,8 +2699,8 @@
         </p:nvSpPr>
         <p:spPr>
           <a:xfrm>
-            <a:off x="628650" y="365126"/>
-            <a:ext cx="7886700" cy="1325563"/>
+            <a:off x="838200" y="365125"/>
+            <a:ext cx="10515600" cy="1325563"/>
           </a:xfrm>
           <a:prstGeom prst="rect">
             <a:avLst/>
@@ -2730,8 +2732,8 @@
         </p:nvSpPr>
         <p:spPr>
           <a:xfrm>
-            <a:off x="628650" y="1825625"/>
-            <a:ext cx="7886700" cy="4351338"/>
+            <a:off x="838200" y="1825625"/>
+            <a:ext cx="10515600" cy="4351338"/>
           </a:xfrm>
           <a:prstGeom prst="rect">
             <a:avLst/>
@@ -2800,8 +2802,8 @@
         </p:nvSpPr>
         <p:spPr>
           <a:xfrm>
-            <a:off x="628650" y="6356351"/>
-            <a:ext cx="2057400" cy="365125"/>
+            <a:off x="838200" y="6356350"/>
+            <a:ext cx="2743200" cy="365125"/>
           </a:xfrm>
           <a:prstGeom prst="rect">
             <a:avLst/>
@@ -2823,7 +2825,7 @@
           <a:p>
             <a:fld id="{3E63D934-F3FF-DB48-8A56-72F459B184DA}" type="datetimeFigureOut">
               <a:rPr kumimoji="1" lang="ja-JP" altLang="en-US" smtClean="0"/>
-              <a:t>2019/2/26</a:t>
+              <a:t>2019/3/6</a:t>
             </a:fld>
             <a:endParaRPr kumimoji="1" lang="ja-JP" altLang="en-US"/>
           </a:p>
@@ -2841,8 +2843,8 @@
         </p:nvSpPr>
         <p:spPr>
           <a:xfrm>
-            <a:off x="3028950" y="6356351"/>
-            <a:ext cx="3086100" cy="365125"/>
+            <a:off x="4038600" y="6356350"/>
+            <a:ext cx="4114800" cy="365125"/>
           </a:xfrm>
           <a:prstGeom prst="rect">
             <a:avLst/>
@@ -2878,8 +2880,8 @@
         </p:nvSpPr>
         <p:spPr>
           <a:xfrm>
-            <a:off x="6457950" y="6356351"/>
-            <a:ext cx="2057400" cy="365125"/>
+            <a:off x="8610600" y="6356350"/>
+            <a:ext cx="2743200" cy="365125"/>
           </a:xfrm>
           <a:prstGeom prst="rect">
             <a:avLst/>
@@ -2910,23 +2912,23 @@
     </p:spTree>
     <p:extLst>
       <p:ext uri="{BB962C8B-B14F-4D97-AF65-F5344CB8AC3E}">
-        <p14:creationId xmlns:p14="http://schemas.microsoft.com/office/powerpoint/2010/main" val="392842122"/>
+        <p14:creationId xmlns:p14="http://schemas.microsoft.com/office/powerpoint/2010/main" val="2562613779"/>
       </p:ext>
     </p:extLst>
   </p:cSld>
   <p:clrMap bg1="lt1" tx1="dk1" bg2="lt2" tx2="dk2" accent1="accent1" accent2="accent2" accent3="accent3" accent4="accent4" accent5="accent5" accent6="accent6" hlink="hlink" folHlink="folHlink"/>
   <p:sldLayoutIdLst>
-    <p:sldLayoutId id="2147483685" r:id="rId1"/>
-    <p:sldLayoutId id="2147483686" r:id="rId2"/>
-    <p:sldLayoutId id="2147483687" r:id="rId3"/>
-    <p:sldLayoutId id="2147483688" r:id="rId4"/>
-    <p:sldLayoutId id="2147483689" r:id="rId5"/>
-    <p:sldLayoutId id="2147483690" r:id="rId6"/>
-    <p:sldLayoutId id="2147483691" r:id="rId7"/>
-    <p:sldLayoutId id="2147483692" r:id="rId8"/>
-    <p:sldLayoutId id="2147483693" r:id="rId9"/>
-    <p:sldLayoutId id="2147483694" r:id="rId10"/>
-    <p:sldLayoutId id="2147483695" r:id="rId11"/>
+    <p:sldLayoutId id="2147483697" r:id="rId1"/>
+    <p:sldLayoutId id="2147483698" r:id="rId2"/>
+    <p:sldLayoutId id="2147483699" r:id="rId3"/>
+    <p:sldLayoutId id="2147483700" r:id="rId4"/>
+    <p:sldLayoutId id="2147483701" r:id="rId5"/>
+    <p:sldLayoutId id="2147483702" r:id="rId6"/>
+    <p:sldLayoutId id="2147483703" r:id="rId7"/>
+    <p:sldLayoutId id="2147483704" r:id="rId8"/>
+    <p:sldLayoutId id="2147483705" r:id="rId9"/>
+    <p:sldLayoutId id="2147483706" r:id="rId10"/>
+    <p:sldLayoutId id="2147483707" r:id="rId11"/>
   </p:sldLayoutIdLst>
   <p:txStyles>
     <p:titleStyle>
@@ -3242,8 +3244,8 @@
         </p:nvSpPr>
         <p:spPr>
           <a:xfrm>
-            <a:off x="268151" y="5138085"/>
-            <a:ext cx="4044951" cy="1477328"/>
+            <a:off x="293303" y="5138086"/>
+            <a:ext cx="5344566" cy="1477328"/>
           </a:xfrm>
           <a:prstGeom prst="rect">
             <a:avLst/>
@@ -3277,7 +3279,7 @@
               </a:rPr>
               <a:t>/roll1226</a:t>
             </a:r>
-            <a:endParaRPr kumimoji="1" lang="ja-JP" altLang="en-US" sz="4400">
+            <a:endParaRPr lang="ja-JP" altLang="en-US" sz="4400">
               <a:latin typeface="Toppan Bunkyu Midashi Gothic Ex" panose="020B0900000000000000" pitchFamily="34" charset="-128"/>
               <a:ea typeface="Toppan Bunkyu Midashi Gothic Ex" panose="020B0900000000000000" pitchFamily="34" charset="-128"/>
             </a:endParaRPr>
@@ -3306,7 +3308,7 @@
         </p:blipFill>
         <p:spPr>
           <a:xfrm>
-            <a:off x="614759" y="1795537"/>
+            <a:off x="1209209" y="1801331"/>
             <a:ext cx="3517900" cy="3517900"/>
           </a:xfrm>
           <a:prstGeom prst="rect">
@@ -3336,7 +3338,7 @@
         </p:blipFill>
         <p:spPr>
           <a:xfrm>
-            <a:off x="0" y="290483"/>
+            <a:off x="679586" y="290349"/>
             <a:ext cx="4572000" cy="1692128"/>
           </a:xfrm>
           <a:prstGeom prst="rect">
@@ -3358,8 +3360,8 @@
         </p:nvSpPr>
         <p:spPr>
           <a:xfrm>
-            <a:off x="4572000" y="0"/>
-            <a:ext cx="4572000" cy="6858000"/>
+            <a:off x="6096000" y="0"/>
+            <a:ext cx="6096000" cy="6858000"/>
           </a:xfrm>
           <a:prstGeom prst="rect">
             <a:avLst/>
@@ -3392,7 +3394,7 @@
           <a:lstStyle/>
           <a:p>
             <a:pPr algn="ctr"/>
-            <a:endParaRPr kumimoji="1" lang="ja-JP" altLang="en-US"/>
+            <a:endParaRPr lang="ja-JP" altLang="en-US"/>
           </a:p>
         </p:txBody>
       </p:sp>
@@ -3412,7 +3414,7 @@
         </p:nvCxnSpPr>
         <p:spPr>
           <a:xfrm>
-            <a:off x="4572000" y="-482600"/>
+            <a:off x="6096000" y="-482600"/>
             <a:ext cx="0" cy="7340600"/>
           </a:xfrm>
           <a:prstGeom prst="line">
@@ -3457,7 +3459,7 @@
         </p:blipFill>
         <p:spPr>
           <a:xfrm>
-            <a:off x="5341120" y="1982476"/>
+            <a:off x="7609739" y="1982477"/>
             <a:ext cx="3155609" cy="3155609"/>
           </a:xfrm>
           <a:prstGeom prst="rect">
@@ -3487,7 +3489,7 @@
         </p:blipFill>
         <p:spPr>
           <a:xfrm>
-            <a:off x="6155269" y="377782"/>
+            <a:off x="8385235" y="377648"/>
             <a:ext cx="1517530" cy="1517530"/>
           </a:xfrm>
           <a:prstGeom prst="rect">
@@ -3509,7 +3511,7 @@
         </p:nvSpPr>
         <p:spPr>
           <a:xfrm>
-            <a:off x="4590116" y="5515111"/>
+            <a:off x="6876116" y="5515112"/>
             <a:ext cx="4535767" cy="723275"/>
           </a:xfrm>
           <a:prstGeom prst="rect">
@@ -3527,13 +3529,13 @@
           <a:lstStyle/>
           <a:p>
             <a:r>
-              <a:rPr kumimoji="1" lang="en-US" altLang="ja-JP" sz="4000" dirty="0">
+              <a:rPr lang="en-US" altLang="ja-JP" sz="4000" dirty="0">
                 <a:latin typeface="Toppan Bunkyu Midashi Gothic Ex" panose="020B0900000000000000" pitchFamily="34" charset="-128"/>
                 <a:ea typeface="Toppan Bunkyu Midashi Gothic Ex" panose="020B0900000000000000" pitchFamily="34" charset="-128"/>
               </a:rPr>
               <a:t>@Tonotomo1226</a:t>
             </a:r>
-            <a:endParaRPr kumimoji="1" lang="ja-JP" altLang="en-US" sz="4000">
+            <a:endParaRPr lang="ja-JP" altLang="en-US" sz="4000">
               <a:latin typeface="Toppan Bunkyu Midashi Gothic Ex" panose="020B0900000000000000" pitchFamily="34" charset="-128"/>
               <a:ea typeface="Toppan Bunkyu Midashi Gothic Ex" panose="020B0900000000000000" pitchFamily="34" charset="-128"/>
             </a:endParaRPr>

--- a/資料/github.pptx
+++ b/資料/github.pptx
@@ -2,12 +2,12 @@
 <file path=ppt/presentation.xml><?xml version="1.0" encoding="utf-8"?>
 <p:presentation xmlns:a="http://schemas.openxmlformats.org/drawingml/2006/main" xmlns:r="http://schemas.openxmlformats.org/officeDocument/2006/relationships" xmlns:p="http://schemas.openxmlformats.org/presentationml/2006/main" saveSubsetFonts="1" autoCompressPictures="0">
   <p:sldMasterIdLst>
-    <p:sldMasterId id="2147483696" r:id="rId1"/>
+    <p:sldMasterId id="2147483708" r:id="rId1"/>
   </p:sldMasterIdLst>
   <p:sldIdLst>
     <p:sldId id="256" r:id="rId2"/>
   </p:sldIdLst>
-  <p:sldSz cx="12192000" cy="6858000"/>
+  <p:sldSz cx="9144000" cy="6858000" type="screen4x3"/>
   <p:notesSz cx="6858000" cy="9144000"/>
   <p:defaultTextStyle>
     <a:defPPr>
@@ -141,8 +141,8 @@
         </p:nvSpPr>
         <p:spPr>
           <a:xfrm>
-            <a:off x="1524000" y="1122363"/>
-            <a:ext cx="9144000" cy="2387600"/>
+            <a:off x="685800" y="1122363"/>
+            <a:ext cx="7772400" cy="2387600"/>
           </a:xfrm>
         </p:spPr>
         <p:txBody>
@@ -173,8 +173,8 @@
         </p:nvSpPr>
         <p:spPr>
           <a:xfrm>
-            <a:off x="1524000" y="3602038"/>
-            <a:ext cx="9144000" cy="1655762"/>
+            <a:off x="1143000" y="3602038"/>
+            <a:ext cx="6858000" cy="1655762"/>
           </a:xfrm>
         </p:spPr>
         <p:txBody>
@@ -243,7 +243,7 @@
           <a:p>
             <a:fld id="{3E63D934-F3FF-DB48-8A56-72F459B184DA}" type="datetimeFigureOut">
               <a:rPr kumimoji="1" lang="ja-JP" altLang="en-US" smtClean="0"/>
-              <a:t>2019/3/6</a:t>
+              <a:t>2019/3/10</a:t>
             </a:fld>
             <a:endParaRPr kumimoji="1" lang="ja-JP" altLang="en-US"/>
           </a:p>
@@ -294,7 +294,7 @@
     </p:spTree>
     <p:extLst>
       <p:ext uri="{BB962C8B-B14F-4D97-AF65-F5344CB8AC3E}">
-        <p14:creationId xmlns:p14="http://schemas.microsoft.com/office/powerpoint/2010/main" val="2632944830"/>
+        <p14:creationId xmlns:p14="http://schemas.microsoft.com/office/powerpoint/2010/main" val="170351777"/>
       </p:ext>
     </p:extLst>
   </p:cSld>
@@ -421,7 +421,7 @@
           <a:p>
             <a:fld id="{3E63D934-F3FF-DB48-8A56-72F459B184DA}" type="datetimeFigureOut">
               <a:rPr kumimoji="1" lang="ja-JP" altLang="en-US" smtClean="0"/>
-              <a:t>2019/3/6</a:t>
+              <a:t>2019/3/10</a:t>
             </a:fld>
             <a:endParaRPr kumimoji="1" lang="ja-JP" altLang="en-US"/>
           </a:p>
@@ -472,7 +472,7 @@
     </p:spTree>
     <p:extLst>
       <p:ext uri="{BB962C8B-B14F-4D97-AF65-F5344CB8AC3E}">
-        <p14:creationId xmlns:p14="http://schemas.microsoft.com/office/powerpoint/2010/main" val="304358155"/>
+        <p14:creationId xmlns:p14="http://schemas.microsoft.com/office/powerpoint/2010/main" val="1111265120"/>
       </p:ext>
     </p:extLst>
   </p:cSld>
@@ -511,8 +511,8 @@
         </p:nvSpPr>
         <p:spPr>
           <a:xfrm>
-            <a:off x="8724900" y="365125"/>
-            <a:ext cx="2628900" cy="5811838"/>
+            <a:off x="6543675" y="365125"/>
+            <a:ext cx="1971675" cy="5811838"/>
           </a:xfrm>
         </p:spPr>
         <p:txBody>
@@ -539,8 +539,8 @@
         </p:nvSpPr>
         <p:spPr>
           <a:xfrm>
-            <a:off x="838200" y="365125"/>
-            <a:ext cx="7734300" cy="5811838"/>
+            <a:off x="628650" y="365125"/>
+            <a:ext cx="5800725" cy="5811838"/>
           </a:xfrm>
         </p:spPr>
         <p:txBody>
@@ -609,7 +609,7 @@
           <a:p>
             <a:fld id="{3E63D934-F3FF-DB48-8A56-72F459B184DA}" type="datetimeFigureOut">
               <a:rPr kumimoji="1" lang="ja-JP" altLang="en-US" smtClean="0"/>
-              <a:t>2019/3/6</a:t>
+              <a:t>2019/3/10</a:t>
             </a:fld>
             <a:endParaRPr kumimoji="1" lang="ja-JP" altLang="en-US"/>
           </a:p>
@@ -660,7 +660,7 @@
     </p:spTree>
     <p:extLst>
       <p:ext uri="{BB962C8B-B14F-4D97-AF65-F5344CB8AC3E}">
-        <p14:creationId xmlns:p14="http://schemas.microsoft.com/office/powerpoint/2010/main" val="3284810169"/>
+        <p14:creationId xmlns:p14="http://schemas.microsoft.com/office/powerpoint/2010/main" val="3635306452"/>
       </p:ext>
     </p:extLst>
   </p:cSld>
@@ -787,7 +787,7 @@
           <a:p>
             <a:fld id="{3E63D934-F3FF-DB48-8A56-72F459B184DA}" type="datetimeFigureOut">
               <a:rPr kumimoji="1" lang="ja-JP" altLang="en-US" smtClean="0"/>
-              <a:t>2019/3/6</a:t>
+              <a:t>2019/3/10</a:t>
             </a:fld>
             <a:endParaRPr kumimoji="1" lang="ja-JP" altLang="en-US"/>
           </a:p>
@@ -838,7 +838,7 @@
     </p:spTree>
     <p:extLst>
       <p:ext uri="{BB962C8B-B14F-4D97-AF65-F5344CB8AC3E}">
-        <p14:creationId xmlns:p14="http://schemas.microsoft.com/office/powerpoint/2010/main" val="3475821482"/>
+        <p14:creationId xmlns:p14="http://schemas.microsoft.com/office/powerpoint/2010/main" val="2520965038"/>
       </p:ext>
     </p:extLst>
   </p:cSld>
@@ -877,8 +877,8 @@
         </p:nvSpPr>
         <p:spPr>
           <a:xfrm>
-            <a:off x="831850" y="1709738"/>
-            <a:ext cx="10515600" cy="2852737"/>
+            <a:off x="623888" y="1709739"/>
+            <a:ext cx="7886700" cy="2852737"/>
           </a:xfrm>
         </p:spPr>
         <p:txBody>
@@ -909,8 +909,8 @@
         </p:nvSpPr>
         <p:spPr>
           <a:xfrm>
-            <a:off x="831850" y="4589463"/>
-            <a:ext cx="10515600" cy="1500187"/>
+            <a:off x="623888" y="4589464"/>
+            <a:ext cx="7886700" cy="1500187"/>
           </a:xfrm>
         </p:spPr>
         <p:txBody>
@@ -920,9 +920,7 @@
               <a:buNone/>
               <a:defRPr sz="2400">
                 <a:solidFill>
-                  <a:schemeClr val="tx1">
-                    <a:tint val="75000"/>
-                  </a:schemeClr>
+                  <a:schemeClr val="tx1"/>
                 </a:solidFill>
               </a:defRPr>
             </a:lvl1pPr>
@@ -1070,7 +1068,7 @@
           <a:p>
             <a:fld id="{3E63D934-F3FF-DB48-8A56-72F459B184DA}" type="datetimeFigureOut">
               <a:rPr kumimoji="1" lang="ja-JP" altLang="en-US" smtClean="0"/>
-              <a:t>2019/3/6</a:t>
+              <a:t>2019/3/10</a:t>
             </a:fld>
             <a:endParaRPr kumimoji="1" lang="ja-JP" altLang="en-US"/>
           </a:p>
@@ -1121,7 +1119,7 @@
     </p:spTree>
     <p:extLst>
       <p:ext uri="{BB962C8B-B14F-4D97-AF65-F5344CB8AC3E}">
-        <p14:creationId xmlns:p14="http://schemas.microsoft.com/office/powerpoint/2010/main" val="3793447144"/>
+        <p14:creationId xmlns:p14="http://schemas.microsoft.com/office/powerpoint/2010/main" val="3588077514"/>
       </p:ext>
     </p:extLst>
   </p:cSld>
@@ -1183,8 +1181,8 @@
         </p:nvSpPr>
         <p:spPr>
           <a:xfrm>
-            <a:off x="838200" y="1825625"/>
-            <a:ext cx="5181600" cy="4351338"/>
+            <a:off x="628650" y="1825625"/>
+            <a:ext cx="3886200" cy="4351338"/>
           </a:xfrm>
         </p:spPr>
         <p:txBody>
@@ -1248,8 +1246,8 @@
         </p:nvSpPr>
         <p:spPr>
           <a:xfrm>
-            <a:off x="6172200" y="1825625"/>
-            <a:ext cx="5181600" cy="4351338"/>
+            <a:off x="4629150" y="1825625"/>
+            <a:ext cx="3886200" cy="4351338"/>
           </a:xfrm>
         </p:spPr>
         <p:txBody>
@@ -1318,7 +1316,7 @@
           <a:p>
             <a:fld id="{3E63D934-F3FF-DB48-8A56-72F459B184DA}" type="datetimeFigureOut">
               <a:rPr kumimoji="1" lang="ja-JP" altLang="en-US" smtClean="0"/>
-              <a:t>2019/3/6</a:t>
+              <a:t>2019/3/10</a:t>
             </a:fld>
             <a:endParaRPr kumimoji="1" lang="ja-JP" altLang="en-US"/>
           </a:p>
@@ -1369,7 +1367,7 @@
     </p:spTree>
     <p:extLst>
       <p:ext uri="{BB962C8B-B14F-4D97-AF65-F5344CB8AC3E}">
-        <p14:creationId xmlns:p14="http://schemas.microsoft.com/office/powerpoint/2010/main" val="22203848"/>
+        <p14:creationId xmlns:p14="http://schemas.microsoft.com/office/powerpoint/2010/main" val="2122514157"/>
       </p:ext>
     </p:extLst>
   </p:cSld>
@@ -1408,8 +1406,8 @@
         </p:nvSpPr>
         <p:spPr>
           <a:xfrm>
-            <a:off x="839788" y="365125"/>
-            <a:ext cx="10515600" cy="1325563"/>
+            <a:off x="629841" y="365126"/>
+            <a:ext cx="7886700" cy="1325563"/>
           </a:xfrm>
         </p:spPr>
         <p:txBody>
@@ -1436,8 +1434,8 @@
         </p:nvSpPr>
         <p:spPr>
           <a:xfrm>
-            <a:off x="839788" y="1681163"/>
-            <a:ext cx="5157787" cy="823912"/>
+            <a:off x="629842" y="1681163"/>
+            <a:ext cx="3868340" cy="823912"/>
           </a:xfrm>
         </p:spPr>
         <p:txBody>
@@ -1538,8 +1536,8 @@
         </p:nvSpPr>
         <p:spPr>
           <a:xfrm>
-            <a:off x="839788" y="2505075"/>
-            <a:ext cx="5157787" cy="3684588"/>
+            <a:off x="629842" y="2505075"/>
+            <a:ext cx="3868340" cy="3684588"/>
           </a:xfrm>
         </p:spPr>
         <p:txBody>
@@ -1603,8 +1601,8 @@
         </p:nvSpPr>
         <p:spPr>
           <a:xfrm>
-            <a:off x="6172200" y="1681163"/>
-            <a:ext cx="5183188" cy="823912"/>
+            <a:off x="4629150" y="1681163"/>
+            <a:ext cx="3887391" cy="823912"/>
           </a:xfrm>
         </p:spPr>
         <p:txBody>
@@ -1705,8 +1703,8 @@
         </p:nvSpPr>
         <p:spPr>
           <a:xfrm>
-            <a:off x="6172200" y="2505075"/>
-            <a:ext cx="5183188" cy="3684588"/>
+            <a:off x="4629150" y="2505075"/>
+            <a:ext cx="3887391" cy="3684588"/>
           </a:xfrm>
         </p:spPr>
         <p:txBody>
@@ -1775,7 +1773,7 @@
           <a:p>
             <a:fld id="{3E63D934-F3FF-DB48-8A56-72F459B184DA}" type="datetimeFigureOut">
               <a:rPr kumimoji="1" lang="ja-JP" altLang="en-US" smtClean="0"/>
-              <a:t>2019/3/6</a:t>
+              <a:t>2019/3/10</a:t>
             </a:fld>
             <a:endParaRPr kumimoji="1" lang="ja-JP" altLang="en-US"/>
           </a:p>
@@ -1826,7 +1824,7 @@
     </p:spTree>
     <p:extLst>
       <p:ext uri="{BB962C8B-B14F-4D97-AF65-F5344CB8AC3E}">
-        <p14:creationId xmlns:p14="http://schemas.microsoft.com/office/powerpoint/2010/main" val="3997293418"/>
+        <p14:creationId xmlns:p14="http://schemas.microsoft.com/office/powerpoint/2010/main" val="3601026174"/>
       </p:ext>
     </p:extLst>
   </p:cSld>
@@ -1893,7 +1891,7 @@
           <a:p>
             <a:fld id="{3E63D934-F3FF-DB48-8A56-72F459B184DA}" type="datetimeFigureOut">
               <a:rPr kumimoji="1" lang="ja-JP" altLang="en-US" smtClean="0"/>
-              <a:t>2019/3/6</a:t>
+              <a:t>2019/3/10</a:t>
             </a:fld>
             <a:endParaRPr kumimoji="1" lang="ja-JP" altLang="en-US"/>
           </a:p>
@@ -1944,7 +1942,7 @@
     </p:spTree>
     <p:extLst>
       <p:ext uri="{BB962C8B-B14F-4D97-AF65-F5344CB8AC3E}">
-        <p14:creationId xmlns:p14="http://schemas.microsoft.com/office/powerpoint/2010/main" val="255725931"/>
+        <p14:creationId xmlns:p14="http://schemas.microsoft.com/office/powerpoint/2010/main" val="931154300"/>
       </p:ext>
     </p:extLst>
   </p:cSld>
@@ -1988,7 +1986,7 @@
           <a:p>
             <a:fld id="{3E63D934-F3FF-DB48-8A56-72F459B184DA}" type="datetimeFigureOut">
               <a:rPr kumimoji="1" lang="ja-JP" altLang="en-US" smtClean="0"/>
-              <a:t>2019/3/6</a:t>
+              <a:t>2019/3/10</a:t>
             </a:fld>
             <a:endParaRPr kumimoji="1" lang="ja-JP" altLang="en-US"/>
           </a:p>
@@ -2039,7 +2037,7 @@
     </p:spTree>
     <p:extLst>
       <p:ext uri="{BB962C8B-B14F-4D97-AF65-F5344CB8AC3E}">
-        <p14:creationId xmlns:p14="http://schemas.microsoft.com/office/powerpoint/2010/main" val="1150079820"/>
+        <p14:creationId xmlns:p14="http://schemas.microsoft.com/office/powerpoint/2010/main" val="1462668234"/>
       </p:ext>
     </p:extLst>
   </p:cSld>
@@ -2078,8 +2076,8 @@
         </p:nvSpPr>
         <p:spPr>
           <a:xfrm>
-            <a:off x="839788" y="457200"/>
-            <a:ext cx="3932237" cy="1600200"/>
+            <a:off x="629841" y="457200"/>
+            <a:ext cx="2949178" cy="1600200"/>
           </a:xfrm>
         </p:spPr>
         <p:txBody>
@@ -2110,8 +2108,8 @@
         </p:nvSpPr>
         <p:spPr>
           <a:xfrm>
-            <a:off x="5183188" y="987425"/>
-            <a:ext cx="6172200" cy="4873625"/>
+            <a:off x="3887391" y="987426"/>
+            <a:ext cx="4629150" cy="4873625"/>
           </a:xfrm>
         </p:spPr>
         <p:txBody>
@@ -2203,8 +2201,8 @@
         </p:nvSpPr>
         <p:spPr>
           <a:xfrm>
-            <a:off x="839788" y="2057400"/>
-            <a:ext cx="3932237" cy="3811588"/>
+            <a:off x="629841" y="2057400"/>
+            <a:ext cx="2949178" cy="3811588"/>
           </a:xfrm>
         </p:spPr>
         <p:txBody>
@@ -2310,7 +2308,7 @@
           <a:p>
             <a:fld id="{3E63D934-F3FF-DB48-8A56-72F459B184DA}" type="datetimeFigureOut">
               <a:rPr kumimoji="1" lang="ja-JP" altLang="en-US" smtClean="0"/>
-              <a:t>2019/3/6</a:t>
+              <a:t>2019/3/10</a:t>
             </a:fld>
             <a:endParaRPr kumimoji="1" lang="ja-JP" altLang="en-US"/>
           </a:p>
@@ -2361,7 +2359,7 @@
     </p:spTree>
     <p:extLst>
       <p:ext uri="{BB962C8B-B14F-4D97-AF65-F5344CB8AC3E}">
-        <p14:creationId xmlns:p14="http://schemas.microsoft.com/office/powerpoint/2010/main" val="975695015"/>
+        <p14:creationId xmlns:p14="http://schemas.microsoft.com/office/powerpoint/2010/main" val="2110906284"/>
       </p:ext>
     </p:extLst>
   </p:cSld>
@@ -2400,8 +2398,8 @@
         </p:nvSpPr>
         <p:spPr>
           <a:xfrm>
-            <a:off x="839788" y="457200"/>
-            <a:ext cx="3932237" cy="1600200"/>
+            <a:off x="629841" y="457200"/>
+            <a:ext cx="2949178" cy="1600200"/>
           </a:xfrm>
         </p:spPr>
         <p:txBody>
@@ -2432,8 +2430,8 @@
         </p:nvSpPr>
         <p:spPr>
           <a:xfrm>
-            <a:off x="5183188" y="987425"/>
-            <a:ext cx="6172200" cy="4873625"/>
+            <a:off x="3887391" y="987426"/>
+            <a:ext cx="4629150" cy="4873625"/>
           </a:xfrm>
         </p:spPr>
         <p:txBody>
@@ -2497,8 +2495,8 @@
         </p:nvSpPr>
         <p:spPr>
           <a:xfrm>
-            <a:off x="839788" y="2057400"/>
-            <a:ext cx="3932237" cy="3811588"/>
+            <a:off x="629841" y="2057400"/>
+            <a:ext cx="2949178" cy="3811588"/>
           </a:xfrm>
         </p:spPr>
         <p:txBody>
@@ -2604,7 +2602,7 @@
           <a:p>
             <a:fld id="{3E63D934-F3FF-DB48-8A56-72F459B184DA}" type="datetimeFigureOut">
               <a:rPr kumimoji="1" lang="ja-JP" altLang="en-US" smtClean="0"/>
-              <a:t>2019/3/6</a:t>
+              <a:t>2019/3/10</a:t>
             </a:fld>
             <a:endParaRPr kumimoji="1" lang="ja-JP" altLang="en-US"/>
           </a:p>
@@ -2655,7 +2653,7 @@
     </p:spTree>
     <p:extLst>
       <p:ext uri="{BB962C8B-B14F-4D97-AF65-F5344CB8AC3E}">
-        <p14:creationId xmlns:p14="http://schemas.microsoft.com/office/powerpoint/2010/main" val="2356080059"/>
+        <p14:creationId xmlns:p14="http://schemas.microsoft.com/office/powerpoint/2010/main" val="3714478882"/>
       </p:ext>
     </p:extLst>
   </p:cSld>
@@ -2699,8 +2697,8 @@
         </p:nvSpPr>
         <p:spPr>
           <a:xfrm>
-            <a:off x="838200" y="365125"/>
-            <a:ext cx="10515600" cy="1325563"/>
+            <a:off x="628650" y="365126"/>
+            <a:ext cx="7886700" cy="1325563"/>
           </a:xfrm>
           <a:prstGeom prst="rect">
             <a:avLst/>
@@ -2732,8 +2730,8 @@
         </p:nvSpPr>
         <p:spPr>
           <a:xfrm>
-            <a:off x="838200" y="1825625"/>
-            <a:ext cx="10515600" cy="4351338"/>
+            <a:off x="628650" y="1825625"/>
+            <a:ext cx="7886700" cy="4351338"/>
           </a:xfrm>
           <a:prstGeom prst="rect">
             <a:avLst/>
@@ -2802,8 +2800,8 @@
         </p:nvSpPr>
         <p:spPr>
           <a:xfrm>
-            <a:off x="838200" y="6356350"/>
-            <a:ext cx="2743200" cy="365125"/>
+            <a:off x="628650" y="6356351"/>
+            <a:ext cx="2057400" cy="365125"/>
           </a:xfrm>
           <a:prstGeom prst="rect">
             <a:avLst/>
@@ -2825,7 +2823,7 @@
           <a:p>
             <a:fld id="{3E63D934-F3FF-DB48-8A56-72F459B184DA}" type="datetimeFigureOut">
               <a:rPr kumimoji="1" lang="ja-JP" altLang="en-US" smtClean="0"/>
-              <a:t>2019/3/6</a:t>
+              <a:t>2019/3/10</a:t>
             </a:fld>
             <a:endParaRPr kumimoji="1" lang="ja-JP" altLang="en-US"/>
           </a:p>
@@ -2843,8 +2841,8 @@
         </p:nvSpPr>
         <p:spPr>
           <a:xfrm>
-            <a:off x="4038600" y="6356350"/>
-            <a:ext cx="4114800" cy="365125"/>
+            <a:off x="3028950" y="6356351"/>
+            <a:ext cx="3086100" cy="365125"/>
           </a:xfrm>
           <a:prstGeom prst="rect">
             <a:avLst/>
@@ -2880,8 +2878,8 @@
         </p:nvSpPr>
         <p:spPr>
           <a:xfrm>
-            <a:off x="8610600" y="6356350"/>
-            <a:ext cx="2743200" cy="365125"/>
+            <a:off x="6457950" y="6356351"/>
+            <a:ext cx="2057400" cy="365125"/>
           </a:xfrm>
           <a:prstGeom prst="rect">
             <a:avLst/>
@@ -2912,23 +2910,23 @@
     </p:spTree>
     <p:extLst>
       <p:ext uri="{BB962C8B-B14F-4D97-AF65-F5344CB8AC3E}">
-        <p14:creationId xmlns:p14="http://schemas.microsoft.com/office/powerpoint/2010/main" val="2562613779"/>
+        <p14:creationId xmlns:p14="http://schemas.microsoft.com/office/powerpoint/2010/main" val="1406580142"/>
       </p:ext>
     </p:extLst>
   </p:cSld>
   <p:clrMap bg1="lt1" tx1="dk1" bg2="lt2" tx2="dk2" accent1="accent1" accent2="accent2" accent3="accent3" accent4="accent4" accent5="accent5" accent6="accent6" hlink="hlink" folHlink="folHlink"/>
   <p:sldLayoutIdLst>
-    <p:sldLayoutId id="2147483697" r:id="rId1"/>
-    <p:sldLayoutId id="2147483698" r:id="rId2"/>
-    <p:sldLayoutId id="2147483699" r:id="rId3"/>
-    <p:sldLayoutId id="2147483700" r:id="rId4"/>
-    <p:sldLayoutId id="2147483701" r:id="rId5"/>
-    <p:sldLayoutId id="2147483702" r:id="rId6"/>
-    <p:sldLayoutId id="2147483703" r:id="rId7"/>
-    <p:sldLayoutId id="2147483704" r:id="rId8"/>
-    <p:sldLayoutId id="2147483705" r:id="rId9"/>
-    <p:sldLayoutId id="2147483706" r:id="rId10"/>
-    <p:sldLayoutId id="2147483707" r:id="rId11"/>
+    <p:sldLayoutId id="2147483709" r:id="rId1"/>
+    <p:sldLayoutId id="2147483710" r:id="rId2"/>
+    <p:sldLayoutId id="2147483711" r:id="rId3"/>
+    <p:sldLayoutId id="2147483712" r:id="rId4"/>
+    <p:sldLayoutId id="2147483713" r:id="rId5"/>
+    <p:sldLayoutId id="2147483714" r:id="rId6"/>
+    <p:sldLayoutId id="2147483715" r:id="rId7"/>
+    <p:sldLayoutId id="2147483716" r:id="rId8"/>
+    <p:sldLayoutId id="2147483717" r:id="rId9"/>
+    <p:sldLayoutId id="2147483718" r:id="rId10"/>
+    <p:sldLayoutId id="2147483719" r:id="rId11"/>
   </p:sldLayoutIdLst>
   <p:txStyles>
     <p:titleStyle>
@@ -3244,8 +3242,8 @@
         </p:nvSpPr>
         <p:spPr>
           <a:xfrm>
-            <a:off x="293303" y="5138086"/>
-            <a:ext cx="5344566" cy="1477328"/>
+            <a:off x="299544" y="5161752"/>
+            <a:ext cx="4008425" cy="1107996"/>
           </a:xfrm>
           <a:prstGeom prst="rect">
             <a:avLst/>
@@ -3259,27 +3257,27 @@
           <a:lstStyle/>
           <a:p>
             <a:r>
-              <a:rPr lang="en" altLang="ja-JP" sz="4400" dirty="0">
+              <a:rPr lang="en" altLang="ja-JP" sz="3300" dirty="0">
                 <a:latin typeface="Toppan Bunkyu Midashi Gothic Ex" panose="020B0900000000000000" pitchFamily="34" charset="-128"/>
                 <a:ea typeface="Toppan Bunkyu Midashi Gothic Ex" panose="020B0900000000000000" pitchFamily="34" charset="-128"/>
               </a:rPr>
               <a:t>https://</a:t>
             </a:r>
             <a:r>
-              <a:rPr lang="en" altLang="ja-JP" sz="4400" dirty="0" err="1">
+              <a:rPr lang="en" altLang="ja-JP" sz="3300" dirty="0" err="1">
                 <a:latin typeface="Toppan Bunkyu Midashi Gothic Ex" panose="020B0900000000000000" pitchFamily="34" charset="-128"/>
                 <a:ea typeface="Toppan Bunkyu Midashi Gothic Ex" panose="020B0900000000000000" pitchFamily="34" charset="-128"/>
               </a:rPr>
               <a:t>github.com</a:t>
             </a:r>
             <a:r>
-              <a:rPr lang="en" altLang="ja-JP" sz="4400" dirty="0">
+              <a:rPr lang="en" altLang="ja-JP" sz="3300" dirty="0">
                 <a:latin typeface="Toppan Bunkyu Midashi Gothic Ex" panose="020B0900000000000000" pitchFamily="34" charset="-128"/>
                 <a:ea typeface="Toppan Bunkyu Midashi Gothic Ex" panose="020B0900000000000000" pitchFamily="34" charset="-128"/>
               </a:rPr>
               <a:t>/roll1226</a:t>
             </a:r>
-            <a:endParaRPr lang="ja-JP" altLang="en-US" sz="4400">
+            <a:endParaRPr lang="ja-JP" altLang="en-US" sz="3300">
               <a:latin typeface="Toppan Bunkyu Midashi Gothic Ex" panose="020B0900000000000000" pitchFamily="34" charset="-128"/>
               <a:ea typeface="Toppan Bunkyu Midashi Gothic Ex" panose="020B0900000000000000" pitchFamily="34" charset="-128"/>
             </a:endParaRPr>
@@ -3308,8 +3306,8 @@
         </p:blipFill>
         <p:spPr>
           <a:xfrm>
-            <a:off x="1209209" y="1801331"/>
-            <a:ext cx="3517900" cy="3517900"/>
+            <a:off x="657052" y="1846232"/>
+            <a:ext cx="3125808" cy="3125808"/>
           </a:xfrm>
           <a:prstGeom prst="rect">
             <a:avLst/>
@@ -3338,8 +3336,8 @@
         </p:blipFill>
         <p:spPr>
           <a:xfrm>
-            <a:off x="679586" y="290349"/>
-            <a:ext cx="4572000" cy="1692128"/>
+            <a:off x="140409" y="303790"/>
+            <a:ext cx="4167560" cy="1542442"/>
           </a:xfrm>
           <a:prstGeom prst="rect">
             <a:avLst/>
@@ -3360,8 +3358,8 @@
         </p:nvSpPr>
         <p:spPr>
           <a:xfrm>
-            <a:off x="6096000" y="0"/>
-            <a:ext cx="6096000" cy="6858000"/>
+            <a:off x="4572000" y="0"/>
+            <a:ext cx="4572000" cy="6858000"/>
           </a:xfrm>
           <a:prstGeom prst="rect">
             <a:avLst/>
@@ -3394,7 +3392,7 @@
           <a:lstStyle/>
           <a:p>
             <a:pPr algn="ctr"/>
-            <a:endParaRPr lang="ja-JP" altLang="en-US"/>
+            <a:endParaRPr lang="ja-JP" altLang="en-US" sz="1350"/>
           </a:p>
         </p:txBody>
       </p:sp>
@@ -3414,8 +3412,8 @@
         </p:nvCxnSpPr>
         <p:spPr>
           <a:xfrm>
-            <a:off x="6096000" y="-482600"/>
-            <a:ext cx="0" cy="7340600"/>
+            <a:off x="4572000" y="-551145"/>
+            <a:ext cx="0" cy="8091813"/>
           </a:xfrm>
           <a:prstGeom prst="line">
             <a:avLst/>
@@ -3459,8 +3457,8 @@
         </p:blipFill>
         <p:spPr>
           <a:xfrm>
-            <a:off x="7609739" y="1982477"/>
-            <a:ext cx="3155609" cy="3155609"/>
+            <a:off x="5529856" y="2130598"/>
+            <a:ext cx="2721601" cy="2721601"/>
           </a:xfrm>
           <a:prstGeom prst="rect">
             <a:avLst/>
@@ -3489,8 +3487,8 @@
         </p:blipFill>
         <p:spPr>
           <a:xfrm>
-            <a:off x="8385235" y="377648"/>
-            <a:ext cx="1517530" cy="1517530"/>
+            <a:off x="5976455" y="160809"/>
+            <a:ext cx="1828405" cy="1828405"/>
           </a:xfrm>
           <a:prstGeom prst="rect">
             <a:avLst/>
@@ -3511,8 +3509,8 @@
         </p:nvSpPr>
         <p:spPr>
           <a:xfrm>
-            <a:off x="6876116" y="5515112"/>
-            <a:ext cx="4535767" cy="723275"/>
+            <a:off x="5147720" y="5438751"/>
+            <a:ext cx="3485871" cy="553998"/>
           </a:xfrm>
           <a:prstGeom prst="rect">
             <a:avLst/>
@@ -3529,13 +3527,13 @@
           <a:lstStyle/>
           <a:p>
             <a:r>
-              <a:rPr lang="en-US" altLang="ja-JP" sz="4000" dirty="0">
+              <a:rPr lang="en-US" altLang="ja-JP" sz="3000" dirty="0">
                 <a:latin typeface="Toppan Bunkyu Midashi Gothic Ex" panose="020B0900000000000000" pitchFamily="34" charset="-128"/>
                 <a:ea typeface="Toppan Bunkyu Midashi Gothic Ex" panose="020B0900000000000000" pitchFamily="34" charset="-128"/>
               </a:rPr>
               <a:t>@Tonotomo1226</a:t>
             </a:r>
-            <a:endParaRPr lang="ja-JP" altLang="en-US" sz="4000">
+            <a:endParaRPr lang="ja-JP" altLang="en-US" sz="3000">
               <a:latin typeface="Toppan Bunkyu Midashi Gothic Ex" panose="020B0900000000000000" pitchFamily="34" charset="-128"/>
               <a:ea typeface="Toppan Bunkyu Midashi Gothic Ex" panose="020B0900000000000000" pitchFamily="34" charset="-128"/>
             </a:endParaRPr>
